--- a/WellCo_outreach.pptx
+++ b/WellCo_outreach.pptx
@@ -112,6 +112,11 @@
       </a:defRPr>
     </a:lvl9pPr>
   </p:defaultTextStyle>
+  <p:extLst>
+    <p:ext uri="{EFAFB233-063F-42B5-8137-9DF3F51BA10A}">
+      <p15:sldGuideLst xmlns:p15="http://schemas.microsoft.com/office/powerpoint/2012/main"/>
+    </p:ext>
+  </p:extLst>
 </p:presentation>
 </file>
 
@@ -197,7 +202,7 @@
           <a:p>
             <a:fld id="{CF7F9135-9625-4F95-B566-15642F034B4C}" type="datetimeFigureOut">
               <a:rPr lang="en-IL" smtClean="0"/>
-              <a:t>02/01/2026</a:t>
+              <a:t>03/01/2026</a:t>
             </a:fld>
             <a:endParaRPr lang="en-IL"/>
           </a:p>
@@ -493,6 +498,13 @@
           </p:nvPr>
         </p:nvSpPr>
         <p:spPr/>
+        <p:txBody>
+          <a:bodyPr/>
+          <a:lstStyle/>
+          <a:p>
+            <a:endParaRPr lang="en-IL"/>
+          </a:p>
+        </p:txBody>
       </p:sp>
       <p:sp>
         <p:nvSpPr>
@@ -735,7 +747,7 @@
           <a:p>
             <a:fld id="{85036AAB-3D93-448F-91EA-E07AB94C2535}" type="datetimeFigureOut">
               <a:rPr lang="en-IL" smtClean="0"/>
-              <a:t>02/01/2026</a:t>
+              <a:t>03/01/2026</a:t>
             </a:fld>
             <a:endParaRPr lang="en-IL"/>
           </a:p>
@@ -1010,7 +1022,7 @@
           <a:p>
             <a:fld id="{85036AAB-3D93-448F-91EA-E07AB94C2535}" type="datetimeFigureOut">
               <a:rPr lang="en-IL" smtClean="0"/>
-              <a:t>02/01/2026</a:t>
+              <a:t>03/01/2026</a:t>
             </a:fld>
             <a:endParaRPr lang="en-IL"/>
           </a:p>
@@ -1204,7 +1216,7 @@
           <a:p>
             <a:fld id="{85036AAB-3D93-448F-91EA-E07AB94C2535}" type="datetimeFigureOut">
               <a:rPr lang="en-IL" smtClean="0"/>
-              <a:t>02/01/2026</a:t>
+              <a:t>03/01/2026</a:t>
             </a:fld>
             <a:endParaRPr lang="en-IL"/>
           </a:p>
@@ -1477,7 +1489,7 @@
           <a:p>
             <a:fld id="{85036AAB-3D93-448F-91EA-E07AB94C2535}" type="datetimeFigureOut">
               <a:rPr lang="en-IL" smtClean="0"/>
-              <a:t>02/01/2026</a:t>
+              <a:t>03/01/2026</a:t>
             </a:fld>
             <a:endParaRPr lang="en-IL"/>
           </a:p>
@@ -1818,7 +1830,7 @@
           <a:p>
             <a:fld id="{85036AAB-3D93-448F-91EA-E07AB94C2535}" type="datetimeFigureOut">
               <a:rPr lang="en-IL" smtClean="0"/>
-              <a:t>02/01/2026</a:t>
+              <a:t>03/01/2026</a:t>
             </a:fld>
             <a:endParaRPr lang="en-IL"/>
           </a:p>
@@ -2441,7 +2453,7 @@
           <a:p>
             <a:fld id="{85036AAB-3D93-448F-91EA-E07AB94C2535}" type="datetimeFigureOut">
               <a:rPr lang="en-IL" smtClean="0"/>
-              <a:t>02/01/2026</a:t>
+              <a:t>03/01/2026</a:t>
             </a:fld>
             <a:endParaRPr lang="en-IL"/>
           </a:p>
@@ -3301,7 +3313,7 @@
           <a:p>
             <a:fld id="{85036AAB-3D93-448F-91EA-E07AB94C2535}" type="datetimeFigureOut">
               <a:rPr lang="en-IL" smtClean="0"/>
-              <a:t>02/01/2026</a:t>
+              <a:t>03/01/2026</a:t>
             </a:fld>
             <a:endParaRPr lang="en-IL"/>
           </a:p>
@@ -3471,7 +3483,7 @@
           <a:p>
             <a:fld id="{85036AAB-3D93-448F-91EA-E07AB94C2535}" type="datetimeFigureOut">
               <a:rPr lang="en-IL" smtClean="0"/>
-              <a:t>02/01/2026</a:t>
+              <a:t>03/01/2026</a:t>
             </a:fld>
             <a:endParaRPr lang="en-IL"/>
           </a:p>
@@ -3651,7 +3663,7 @@
           <a:p>
             <a:fld id="{85036AAB-3D93-448F-91EA-E07AB94C2535}" type="datetimeFigureOut">
               <a:rPr lang="en-IL" smtClean="0"/>
-              <a:t>02/01/2026</a:t>
+              <a:t>03/01/2026</a:t>
             </a:fld>
             <a:endParaRPr lang="en-IL"/>
           </a:p>
@@ -3821,7 +3833,7 @@
           <a:p>
             <a:fld id="{85036AAB-3D93-448F-91EA-E07AB94C2535}" type="datetimeFigureOut">
               <a:rPr lang="en-IL" smtClean="0"/>
-              <a:t>02/01/2026</a:t>
+              <a:t>03/01/2026</a:t>
             </a:fld>
             <a:endParaRPr lang="en-IL"/>
           </a:p>
@@ -4068,7 +4080,7 @@
           <a:p>
             <a:fld id="{85036AAB-3D93-448F-91EA-E07AB94C2535}" type="datetimeFigureOut">
               <a:rPr lang="en-IL" smtClean="0"/>
-              <a:t>02/01/2026</a:t>
+              <a:t>03/01/2026</a:t>
             </a:fld>
             <a:endParaRPr lang="en-IL"/>
           </a:p>
@@ -4360,7 +4372,7 @@
           <a:p>
             <a:fld id="{85036AAB-3D93-448F-91EA-E07AB94C2535}" type="datetimeFigureOut">
               <a:rPr lang="en-IL" smtClean="0"/>
-              <a:t>02/01/2026</a:t>
+              <a:t>03/01/2026</a:t>
             </a:fld>
             <a:endParaRPr lang="en-IL"/>
           </a:p>
@@ -4804,7 +4816,7 @@
           <a:p>
             <a:fld id="{85036AAB-3D93-448F-91EA-E07AB94C2535}" type="datetimeFigureOut">
               <a:rPr lang="en-IL" smtClean="0"/>
-              <a:t>02/01/2026</a:t>
+              <a:t>03/01/2026</a:t>
             </a:fld>
             <a:endParaRPr lang="en-IL"/>
           </a:p>
@@ -4922,7 +4934,7 @@
           <a:p>
             <a:fld id="{85036AAB-3D93-448F-91EA-E07AB94C2535}" type="datetimeFigureOut">
               <a:rPr lang="en-IL" smtClean="0"/>
-              <a:t>02/01/2026</a:t>
+              <a:t>03/01/2026</a:t>
             </a:fld>
             <a:endParaRPr lang="en-IL"/>
           </a:p>
@@ -5017,7 +5029,7 @@
           <a:p>
             <a:fld id="{85036AAB-3D93-448F-91EA-E07AB94C2535}" type="datetimeFigureOut">
               <a:rPr lang="en-IL" smtClean="0"/>
-              <a:t>02/01/2026</a:t>
+              <a:t>03/01/2026</a:t>
             </a:fld>
             <a:endParaRPr lang="en-IL"/>
           </a:p>
@@ -5296,7 +5308,7 @@
           <a:p>
             <a:fld id="{85036AAB-3D93-448F-91EA-E07AB94C2535}" type="datetimeFigureOut">
               <a:rPr lang="en-IL" smtClean="0"/>
-              <a:t>02/01/2026</a:t>
+              <a:t>03/01/2026</a:t>
             </a:fld>
             <a:endParaRPr lang="en-IL"/>
           </a:p>
@@ -5571,7 +5583,7 @@
           <a:p>
             <a:fld id="{85036AAB-3D93-448F-91EA-E07AB94C2535}" type="datetimeFigureOut">
               <a:rPr lang="en-IL" smtClean="0"/>
-              <a:t>02/01/2026</a:t>
+              <a:t>03/01/2026</a:t>
             </a:fld>
             <a:endParaRPr lang="en-IL"/>
           </a:p>
@@ -6014,7 +6026,7 @@
           <a:p>
             <a:fld id="{85036AAB-3D93-448F-91EA-E07AB94C2535}" type="datetimeFigureOut">
               <a:rPr lang="en-IL" smtClean="0"/>
-              <a:t>02/01/2026</a:t>
+              <a:t>03/01/2026</a:t>
             </a:fld>
             <a:endParaRPr lang="en-IL"/>
           </a:p>
@@ -6793,7 +6805,7 @@
           <a:p>
             <a:r>
               <a:rPr lang="en-US" dirty="0"/>
-              <a:t>WellCo collected various user data sources from 14-days observation window.</a:t>
+              <a:t>WellCo collected various user data sources from 14-days observation window</a:t>
             </a:r>
           </a:p>
           <a:p>
@@ -7090,10 +7102,21 @@
           <a:p>
             <a:r>
               <a:rPr lang="en-US" dirty="0"/>
-              <a:t>Why Uplift </a:t>
-            </a:r>
-            <a:r>
-              <a:rPr lang="en-US" sz="3600" dirty="0"/>
+              <a:t>Why Uplift</a:t>
+            </a:r>
+            <a:r>
+              <a:rPr lang="en-US" dirty="0">
+                <a:latin typeface="Aptos Display" panose="020B0004020202020204" pitchFamily="34" charset="0"/>
+                <a:cs typeface="Aharoni" panose="02010803020104030203" pitchFamily="2" charset="-79"/>
+              </a:rPr>
+              <a:t> ?</a:t>
+            </a:r>
+            <a:r>
+              <a:rPr lang="en-US" dirty="0"/>
+              <a:t> </a:t>
+            </a:r>
+            <a:r>
+              <a:rPr lang="en-US" sz="2800" dirty="0"/>
               <a:t>(Not Just Churn Risk)</a:t>
             </a:r>
             <a:endParaRPr lang="en-IL" dirty="0"/>
@@ -7116,14 +7139,19 @@
             <p:ph idx="1"/>
           </p:nvPr>
         </p:nvSpPr>
-        <p:spPr/>
+        <p:spPr>
+          <a:xfrm>
+            <a:off x="1103312" y="2052918"/>
+            <a:ext cx="10164060" cy="4195481"/>
+          </a:xfrm>
+        </p:spPr>
         <p:txBody>
           <a:bodyPr/>
           <a:lstStyle/>
           <a:p>
             <a:r>
               <a:rPr lang="en-US" dirty="0"/>
-              <a:t>Outreach can change churn outcomes.</a:t>
+              <a:t>Outreach can change churn outcomes – WellCo collected outreach  data</a:t>
             </a:r>
           </a:p>
           <a:p>
@@ -7257,15 +7285,8 @@
           <a:p>
             <a:r>
               <a:rPr lang="en-US" dirty="0"/>
-              <a:t>Members ranked by uplift, show better churn reduction vs random outreach.</a:t>
-            </a:r>
-          </a:p>
-          <a:p>
-            <a:r>
-              <a:rPr lang="en-US" dirty="0"/>
-              <a:t>~60 % of the members found with positive uplift value</a:t>
-            </a:r>
-            <a:endParaRPr lang="en-IL" dirty="0"/>
+              <a:t>We estimate ~60 % of the members have a positive uplift value</a:t>
+            </a:r>
           </a:p>
         </p:txBody>
       </p:sp>
@@ -7291,8 +7312,8 @@
         </p:blipFill>
         <p:spPr>
           <a:xfrm>
-            <a:off x="1930698" y="3794761"/>
-            <a:ext cx="6728516" cy="2653308"/>
+            <a:off x="1930698" y="3252564"/>
+            <a:ext cx="8103472" cy="3195505"/>
           </a:xfrm>
           <a:prstGeom prst="rect">
             <a:avLst/>
@@ -7374,7 +7395,12 @@
             <p:ph idx="1"/>
           </p:nvPr>
         </p:nvSpPr>
-        <p:spPr/>
+        <p:spPr>
+          <a:xfrm>
+            <a:off x="1103312" y="2052918"/>
+            <a:ext cx="9458315" cy="4195481"/>
+          </a:xfrm>
+        </p:spPr>
         <p:txBody>
           <a:bodyPr/>
           <a:lstStyle/>
@@ -7388,6 +7414,15 @@
             <a:pPr marL="0" indent="0">
               <a:buNone/>
             </a:pPr>
+            <a:r>
+              <a:rPr lang="en-US" dirty="0"/>
+              <a:t>	(n~6000)</a:t>
+            </a:r>
+          </a:p>
+          <a:p>
+            <a:pPr marL="0" indent="0">
+              <a:buNone/>
+            </a:pPr>
             <a:endParaRPr lang="en-US" dirty="0"/>
           </a:p>
           <a:p>
@@ -7417,7 +7452,7 @@
           <a:p>
             <a:r>
               <a:rPr lang="en-US" dirty="0"/>
-              <a:t>Keep tracking churns and outreaches made for future model improvements and better predictions</a:t>
+              <a:t>Keep tracking churns and outreaches made, for future model improvements and better predictions</a:t>
             </a:r>
           </a:p>
         </p:txBody>
